--- a/lab/ppt/3-lab.pptx
+++ b/lab/ppt/3-lab.pptx
@@ -24,8 +24,6 @@
     <p:sldId id="438" r:id="rId18"/>
     <p:sldId id="455" r:id="rId19"/>
     <p:sldId id="419" r:id="rId20"/>
-    <p:sldId id="456" r:id="rId21"/>
-    <p:sldId id="411" r:id="rId22"/>
   </p:sldIdLst>
   <p:sldSz cx="12192000" cy="6858000"/>
   <p:notesSz cx="6858000" cy="9144000"/>
@@ -279,7 +277,7 @@
           <a:p>
             <a:fld id="{A6172B60-831B-2444-94CB-7D22A4EA057A}" type="datetimeFigureOut">
               <a:rPr kumimoji="1" lang="zh-CN" altLang="en-US" smtClean="0"/>
-              <a:t>2020/10/30</a:t>
+              <a:t>2022/9/6</a:t>
             </a:fld>
             <a:endParaRPr kumimoji="1" lang="zh-CN" altLang="en-US"/>
           </a:p>
@@ -452,7 +450,7 @@
           <a:p>
             <a:fld id="{A6172B60-831B-2444-94CB-7D22A4EA057A}" type="datetimeFigureOut">
               <a:rPr kumimoji="1" lang="zh-CN" altLang="en-US" smtClean="0"/>
-              <a:t>2020/10/30</a:t>
+              <a:t>2022/9/6</a:t>
             </a:fld>
             <a:endParaRPr kumimoji="1" lang="zh-CN" altLang="en-US"/>
           </a:p>
@@ -635,7 +633,7 @@
           <a:p>
             <a:fld id="{A6172B60-831B-2444-94CB-7D22A4EA057A}" type="datetimeFigureOut">
               <a:rPr kumimoji="1" lang="zh-CN" altLang="en-US" smtClean="0"/>
-              <a:t>2020/10/30</a:t>
+              <a:t>2022/9/6</a:t>
             </a:fld>
             <a:endParaRPr kumimoji="1" lang="zh-CN" altLang="en-US"/>
           </a:p>
@@ -808,7 +806,7 @@
           <a:p>
             <a:fld id="{A6172B60-831B-2444-94CB-7D22A4EA057A}" type="datetimeFigureOut">
               <a:rPr kumimoji="1" lang="zh-CN" altLang="en-US" smtClean="0"/>
-              <a:t>2020/10/30</a:t>
+              <a:t>2022/9/6</a:t>
             </a:fld>
             <a:endParaRPr kumimoji="1" lang="zh-CN" altLang="en-US"/>
           </a:p>
@@ -1086,7 +1084,7 @@
           <a:p>
             <a:fld id="{A6172B60-831B-2444-94CB-7D22A4EA057A}" type="datetimeFigureOut">
               <a:rPr kumimoji="1" lang="zh-CN" altLang="en-US" smtClean="0"/>
-              <a:t>2020/10/30</a:t>
+              <a:t>2022/9/6</a:t>
             </a:fld>
             <a:endParaRPr kumimoji="1" lang="zh-CN" altLang="en-US"/>
           </a:p>
@@ -1301,7 +1299,7 @@
           <a:p>
             <a:fld id="{A6172B60-831B-2444-94CB-7D22A4EA057A}" type="datetimeFigureOut">
               <a:rPr kumimoji="1" lang="zh-CN" altLang="en-US" smtClean="0"/>
-              <a:t>2020/10/30</a:t>
+              <a:t>2022/9/6</a:t>
             </a:fld>
             <a:endParaRPr kumimoji="1" lang="zh-CN" altLang="en-US"/>
           </a:p>
@@ -1669,7 +1667,7 @@
           <a:p>
             <a:fld id="{A6172B60-831B-2444-94CB-7D22A4EA057A}" type="datetimeFigureOut">
               <a:rPr kumimoji="1" lang="zh-CN" altLang="en-US" smtClean="0"/>
-              <a:t>2020/10/30</a:t>
+              <a:t>2022/9/6</a:t>
             </a:fld>
             <a:endParaRPr kumimoji="1" lang="zh-CN" altLang="en-US"/>
           </a:p>
@@ -1810,7 +1808,7 @@
           <a:p>
             <a:fld id="{A6172B60-831B-2444-94CB-7D22A4EA057A}" type="datetimeFigureOut">
               <a:rPr kumimoji="1" lang="zh-CN" altLang="en-US" smtClean="0"/>
-              <a:t>2020/10/30</a:t>
+              <a:t>2022/9/6</a:t>
             </a:fld>
             <a:endParaRPr kumimoji="1" lang="zh-CN" altLang="en-US"/>
           </a:p>
@@ -1923,7 +1921,7 @@
           <a:p>
             <a:fld id="{A6172B60-831B-2444-94CB-7D22A4EA057A}" type="datetimeFigureOut">
               <a:rPr kumimoji="1" lang="zh-CN" altLang="en-US" smtClean="0"/>
-              <a:t>2020/10/30</a:t>
+              <a:t>2022/9/6</a:t>
             </a:fld>
             <a:endParaRPr kumimoji="1" lang="zh-CN" altLang="en-US"/>
           </a:p>
@@ -2212,7 +2210,7 @@
           <a:p>
             <a:fld id="{A6172B60-831B-2444-94CB-7D22A4EA057A}" type="datetimeFigureOut">
               <a:rPr kumimoji="1" lang="zh-CN" altLang="en-US" smtClean="0"/>
-              <a:t>2020/10/30</a:t>
+              <a:t>2022/9/6</a:t>
             </a:fld>
             <a:endParaRPr kumimoji="1" lang="zh-CN" altLang="en-US"/>
           </a:p>
@@ -2503,7 +2501,7 @@
           <a:p>
             <a:fld id="{A6172B60-831B-2444-94CB-7D22A4EA057A}" type="datetimeFigureOut">
               <a:rPr kumimoji="1" lang="zh-CN" altLang="en-US" smtClean="0"/>
-              <a:t>2020/10/30</a:t>
+              <a:t>2022/9/6</a:t>
             </a:fld>
             <a:endParaRPr kumimoji="1" lang="zh-CN" altLang="en-US"/>
           </a:p>
@@ -2719,7 +2717,7 @@
           <a:p>
             <a:fld id="{A6172B60-831B-2444-94CB-7D22A4EA057A}" type="datetimeFigureOut">
               <a:rPr kumimoji="1" lang="zh-CN" altLang="en-US" smtClean="0"/>
-              <a:t>2020/10/30</a:t>
+              <a:t>2022/9/6</a:t>
             </a:fld>
             <a:endParaRPr kumimoji="1" lang="zh-CN" altLang="en-US"/>
           </a:p>
@@ -3961,17 +3959,17 @@
           <a:lstStyle/>
           <a:p>
             <a:r>
-              <a:rPr lang="en-US" altLang="zh-CN" dirty="0">
+              <a:rPr kumimoji="1" lang="zh-CN" altLang="en-US" dirty="0"/>
+              <a:t>鲸鱼分类</a:t>
+            </a:r>
+            <a:endParaRPr kumimoji="1" lang="en-US" altLang="zh-CN" dirty="0"/>
+          </a:p>
+          <a:p>
+            <a:r>
+              <a:rPr kumimoji="1" lang="en-US" altLang="zh-CN" dirty="0">
                 <a:hlinkClick r:id="rId2"/>
               </a:rPr>
-              <a:t>https://courses.edx.org/courses/course-v1:UCSanDiegoX+DSE230x+1T2018/course/</a:t>
-            </a:r>
-            <a:endParaRPr lang="en-US" altLang="zh-CN" dirty="0"/>
-          </a:p>
-          <a:p>
-            <a:r>
-              <a:rPr kumimoji="1" lang="zh-CN" altLang="en-US" dirty="0"/>
-              <a:t>鲸鱼分类</a:t>
+              <a:t>https://github.com/ucsd-edx/CSE255-DSE230-2018</a:t>
             </a:r>
             <a:endParaRPr kumimoji="1" lang="en-US" altLang="zh-CN" dirty="0"/>
           </a:p>
@@ -4367,12 +4365,12 @@
           <a:lstStyle/>
           <a:p>
             <a:r>
-              <a:rPr lang="en-US" altLang="zh-CN" dirty="0">
+              <a:rPr kumimoji="1" lang="en-US" altLang="zh-CN" dirty="0">
                 <a:hlinkClick r:id="rId2"/>
               </a:rPr>
-              <a:t>https://courses.edx.org/courses/course-v1:UCSanDiegoX+DSE230x+1T2018/course/</a:t>
-            </a:r>
-            <a:endParaRPr lang="en-US" altLang="zh-CN" dirty="0"/>
+              <a:t>https://github.com/ucsd-edx/CSE255-DSE230-2018</a:t>
+            </a:r>
+            <a:endParaRPr kumimoji="1" lang="en-US" altLang="zh-CN" dirty="0"/>
           </a:p>
           <a:p>
             <a:r>
@@ -4589,17 +4587,27 @@
           <a:lstStyle/>
           <a:p>
             <a:r>
-              <a:rPr lang="en-US" altLang="zh-CN" dirty="0">
+              <a:rPr kumimoji="1" lang="en-US" altLang="zh-CN" dirty="0">
                 <a:hlinkClick r:id="rId2"/>
               </a:rPr>
-              <a:t>https://courses.edx.org/courses/course-v1:UCSanDiegoX+DSE230x+1T2018/course/</a:t>
-            </a:r>
-            <a:endParaRPr lang="en-US" altLang="zh-CN" dirty="0"/>
-          </a:p>
-          <a:p>
+              <a:t>https://github.com/ucsd-edx</a:t>
+            </a:r>
+            <a:r>
+              <a:rPr kumimoji="1" lang="en-US" altLang="zh-CN">
+                <a:hlinkClick r:id="rId2"/>
+              </a:rPr>
+              <a:t>/CSE255-DSE230-2018</a:t>
+            </a:r>
+            <a:endParaRPr kumimoji="1" lang="en-US" altLang="zh-CN"/>
+          </a:p>
+          <a:p>
+            <a:r>
+              <a:rPr lang="zh-CN" altLang="en-US"/>
+              <a:t>天气</a:t>
+            </a:r>
             <a:r>
               <a:rPr lang="zh-CN" altLang="en-US" dirty="0"/>
-              <a:t>天气数据</a:t>
+              <a:t>数据</a:t>
             </a:r>
             <a:endParaRPr lang="en-US" altLang="zh-CN" dirty="0"/>
           </a:p>
@@ -4730,211 +4738,6 @@
     <p:extLst>
       <p:ext uri="{BB962C8B-B14F-4D97-AF65-F5344CB8AC3E}">
         <p14:creationId xmlns:p14="http://schemas.microsoft.com/office/powerpoint/2010/main" val="808548886"/>
-      </p:ext>
-    </p:extLst>
-  </p:cSld>
-  <p:clrMapOvr>
-    <a:masterClrMapping/>
-  </p:clrMapOvr>
-</p:sld>
-</file>
-
-<file path=ppt/slides/slide20.xml><?xml version="1.0" encoding="utf-8"?>
-<p:sld xmlns:a="http://schemas.openxmlformats.org/drawingml/2006/main" xmlns:r="http://schemas.openxmlformats.org/officeDocument/2006/relationships" xmlns:p="http://schemas.openxmlformats.org/presentationml/2006/main">
-  <p:cSld>
-    <p:spTree>
-      <p:nvGrpSpPr>
-        <p:cNvPr id="1" name=""/>
-        <p:cNvGrpSpPr/>
-        <p:nvPr/>
-      </p:nvGrpSpPr>
-      <p:grpSpPr>
-        <a:xfrm>
-          <a:off x="0" y="0"/>
-          <a:ext cx="0" cy="0"/>
-          <a:chOff x="0" y="0"/>
-          <a:chExt cx="0" cy="0"/>
-        </a:xfrm>
-      </p:grpSpPr>
-      <p:sp>
-        <p:nvSpPr>
-          <p:cNvPr id="2" name="标题 1">
-            <a:extLst>
-              <a:ext uri="{FF2B5EF4-FFF2-40B4-BE49-F238E27FC236}">
-                <a16:creationId xmlns:a16="http://schemas.microsoft.com/office/drawing/2014/main" id="{FBE68A5D-3108-FE49-95DA-9617F0DD8294}"/>
-              </a:ext>
-            </a:extLst>
-          </p:cNvPr>
-          <p:cNvSpPr>
-            <a:spLocks noGrp="1"/>
-          </p:cNvSpPr>
-          <p:nvPr>
-            <p:ph type="title"/>
-          </p:nvPr>
-        </p:nvSpPr>
-        <p:spPr/>
-        <p:txBody>
-          <a:bodyPr/>
-          <a:lstStyle/>
-          <a:p>
-            <a:r>
-              <a:rPr kumimoji="1" lang="zh-CN" altLang="en-US" dirty="0"/>
-              <a:t>实战</a:t>
-            </a:r>
-          </a:p>
-        </p:txBody>
-      </p:sp>
-      <p:sp>
-        <p:nvSpPr>
-          <p:cNvPr id="3" name="文本占位符 2">
-            <a:extLst>
-              <a:ext uri="{FF2B5EF4-FFF2-40B4-BE49-F238E27FC236}">
-                <a16:creationId xmlns:a16="http://schemas.microsoft.com/office/drawing/2014/main" id="{C9B346EB-F3CE-D54B-A49F-B0FFE2AAEE5A}"/>
-              </a:ext>
-            </a:extLst>
-          </p:cNvPr>
-          <p:cNvSpPr>
-            <a:spLocks noGrp="1"/>
-          </p:cNvSpPr>
-          <p:nvPr>
-            <p:ph type="body" idx="1"/>
-          </p:nvPr>
-        </p:nvSpPr>
-        <p:spPr/>
-        <p:txBody>
-          <a:bodyPr/>
-          <a:lstStyle/>
-          <a:p>
-            <a:endParaRPr kumimoji="1" lang="zh-CN" altLang="en-US"/>
-          </a:p>
-        </p:txBody>
-      </p:sp>
-    </p:spTree>
-    <p:extLst>
-      <p:ext uri="{BB962C8B-B14F-4D97-AF65-F5344CB8AC3E}">
-        <p14:creationId xmlns:p14="http://schemas.microsoft.com/office/powerpoint/2010/main" val="3787441103"/>
-      </p:ext>
-    </p:extLst>
-  </p:cSld>
-  <p:clrMapOvr>
-    <a:masterClrMapping/>
-  </p:clrMapOvr>
-</p:sld>
-</file>
-
-<file path=ppt/slides/slide21.xml><?xml version="1.0" encoding="utf-8"?>
-<p:sld xmlns:a="http://schemas.openxmlformats.org/drawingml/2006/main" xmlns:r="http://schemas.openxmlformats.org/officeDocument/2006/relationships" xmlns:p="http://schemas.openxmlformats.org/presentationml/2006/main">
-  <p:cSld>
-    <p:spTree>
-      <p:nvGrpSpPr>
-        <p:cNvPr id="1" name=""/>
-        <p:cNvGrpSpPr/>
-        <p:nvPr/>
-      </p:nvGrpSpPr>
-      <p:grpSpPr>
-        <a:xfrm>
-          <a:off x="0" y="0"/>
-          <a:ext cx="0" cy="0"/>
-          <a:chOff x="0" y="0"/>
-          <a:chExt cx="0" cy="0"/>
-        </a:xfrm>
-      </p:grpSpPr>
-      <p:sp>
-        <p:nvSpPr>
-          <p:cNvPr id="2" name="标题 1">
-            <a:extLst>
-              <a:ext uri="{FF2B5EF4-FFF2-40B4-BE49-F238E27FC236}">
-                <a16:creationId xmlns:a16="http://schemas.microsoft.com/office/drawing/2014/main" id="{E80F755A-9E7F-E641-8836-A4889B978120}"/>
-              </a:ext>
-            </a:extLst>
-          </p:cNvPr>
-          <p:cNvSpPr>
-            <a:spLocks noGrp="1"/>
-          </p:cNvSpPr>
-          <p:nvPr>
-            <p:ph type="title"/>
-          </p:nvPr>
-        </p:nvSpPr>
-        <p:spPr/>
-        <p:txBody>
-          <a:bodyPr/>
-          <a:lstStyle/>
-          <a:p>
-            <a:r>
-              <a:rPr kumimoji="1" lang="zh-CN" altLang="en-US" dirty="0"/>
-              <a:t>华为电信大数据比赛</a:t>
-            </a:r>
-          </a:p>
-        </p:txBody>
-      </p:sp>
-      <p:sp>
-        <p:nvSpPr>
-          <p:cNvPr id="3" name="内容占位符 2">
-            <a:extLst>
-              <a:ext uri="{FF2B5EF4-FFF2-40B4-BE49-F238E27FC236}">
-                <a16:creationId xmlns:a16="http://schemas.microsoft.com/office/drawing/2014/main" id="{C65D2112-E62D-7B42-A2F0-24D82DA4D7E0}"/>
-              </a:ext>
-            </a:extLst>
-          </p:cNvPr>
-          <p:cNvSpPr>
-            <a:spLocks noGrp="1"/>
-          </p:cNvSpPr>
-          <p:nvPr>
-            <p:ph idx="1"/>
-          </p:nvPr>
-        </p:nvSpPr>
-        <p:spPr/>
-        <p:txBody>
-          <a:bodyPr/>
-          <a:lstStyle/>
-          <a:p>
-            <a:r>
-              <a:rPr lang="zh-CN" altLang="en-US" dirty="0"/>
-              <a:t>选择比赛</a:t>
-            </a:r>
-            <a:endParaRPr lang="en-US" altLang="zh-CN" dirty="0"/>
-          </a:p>
-          <a:p>
-            <a:pPr lvl="1"/>
-            <a:r>
-              <a:rPr lang="en-US" altLang="zh-CN" dirty="0">
-                <a:hlinkClick r:id="rId2"/>
-              </a:rPr>
-              <a:t>https://www.hwtelcloud.com/competitions/home</a:t>
-            </a:r>
-            <a:endParaRPr lang="en-US" altLang="zh-CN" dirty="0"/>
-          </a:p>
-          <a:p>
-            <a:r>
-              <a:rPr lang="zh-CN" altLang="en-US" dirty="0"/>
-              <a:t>大赛专区</a:t>
-            </a:r>
-            <a:endParaRPr lang="en-US" altLang="zh-CN" dirty="0">
-              <a:hlinkClick r:id="rId3"/>
-            </a:endParaRPr>
-          </a:p>
-          <a:p>
-            <a:pPr lvl="1"/>
-            <a:r>
-              <a:rPr lang="en-US" altLang="zh-CN" dirty="0">
-                <a:hlinkClick r:id="rId3"/>
-              </a:rPr>
-              <a:t>https://bbs.huaweicloud.com/forum/forum-719-1159-1.html</a:t>
-            </a:r>
-            <a:endParaRPr lang="en-US" altLang="zh-CN" dirty="0"/>
-          </a:p>
-          <a:p>
-            <a:r>
-              <a:rPr kumimoji="1" lang="zh-CN" altLang="en-US" dirty="0"/>
-              <a:t>硬盘故障数据</a:t>
-            </a:r>
-          </a:p>
-        </p:txBody>
-      </p:sp>
-    </p:spTree>
-    <p:extLst>
-      <p:ext uri="{BB962C8B-B14F-4D97-AF65-F5344CB8AC3E}">
-        <p14:creationId xmlns:p14="http://schemas.microsoft.com/office/powerpoint/2010/main" val="2152365312"/>
       </p:ext>
     </p:extLst>
   </p:cSld>
